--- a/プレゼンテーション1.pptx
+++ b/プレゼンテーション1.pptx
@@ -106,6 +106,11 @@
       </a:defRPr>
     </a:lvl9pPr>
   </p:defaultTextStyle>
+  <p:extLst>
+    <p:ext uri="{EFAFB233-063F-42B5-8137-9DF3F51BA10A}">
+      <p15:sldGuideLst xmlns:p15="http://schemas.microsoft.com/office/powerpoint/2012/main"/>
+    </p:ext>
+  </p:extLst>
 </p:presentation>
 </file>
 
@@ -256,7 +261,7 @@
           <a:p>
             <a:fld id="{8D04EC8B-8CA5-47F6-96D9-DD7E5DA61D42}" type="datetimeFigureOut">
               <a:rPr kumimoji="1" lang="ja-JP" altLang="en-US" smtClean="0"/>
-              <a:t>2025/5/11</a:t>
+              <a:t>2025/5/25</a:t>
             </a:fld>
             <a:endParaRPr kumimoji="1" lang="ja-JP" altLang="en-US"/>
           </a:p>
@@ -486,7 +491,7 @@
           <a:p>
             <a:fld id="{8D04EC8B-8CA5-47F6-96D9-DD7E5DA61D42}" type="datetimeFigureOut">
               <a:rPr kumimoji="1" lang="ja-JP" altLang="en-US" smtClean="0"/>
-              <a:t>2025/5/11</a:t>
+              <a:t>2025/5/25</a:t>
             </a:fld>
             <a:endParaRPr kumimoji="1" lang="ja-JP" altLang="en-US"/>
           </a:p>
@@ -726,7 +731,7 @@
           <a:p>
             <a:fld id="{8D04EC8B-8CA5-47F6-96D9-DD7E5DA61D42}" type="datetimeFigureOut">
               <a:rPr kumimoji="1" lang="ja-JP" altLang="en-US" smtClean="0"/>
-              <a:t>2025/5/11</a:t>
+              <a:t>2025/5/25</a:t>
             </a:fld>
             <a:endParaRPr kumimoji="1" lang="ja-JP" altLang="en-US"/>
           </a:p>
@@ -956,7 +961,7 @@
           <a:p>
             <a:fld id="{8D04EC8B-8CA5-47F6-96D9-DD7E5DA61D42}" type="datetimeFigureOut">
               <a:rPr kumimoji="1" lang="ja-JP" altLang="en-US" smtClean="0"/>
-              <a:t>2025/5/11</a:t>
+              <a:t>2025/5/25</a:t>
             </a:fld>
             <a:endParaRPr kumimoji="1" lang="ja-JP" altLang="en-US"/>
           </a:p>
@@ -1231,7 +1236,7 @@
           <a:p>
             <a:fld id="{8D04EC8B-8CA5-47F6-96D9-DD7E5DA61D42}" type="datetimeFigureOut">
               <a:rPr kumimoji="1" lang="ja-JP" altLang="en-US" smtClean="0"/>
-              <a:t>2025/5/11</a:t>
+              <a:t>2025/5/25</a:t>
             </a:fld>
             <a:endParaRPr kumimoji="1" lang="ja-JP" altLang="en-US"/>
           </a:p>
@@ -1560,7 +1565,7 @@
           <a:p>
             <a:fld id="{8D04EC8B-8CA5-47F6-96D9-DD7E5DA61D42}" type="datetimeFigureOut">
               <a:rPr kumimoji="1" lang="ja-JP" altLang="en-US" smtClean="0"/>
-              <a:t>2025/5/11</a:t>
+              <a:t>2025/5/25</a:t>
             </a:fld>
             <a:endParaRPr kumimoji="1" lang="ja-JP" altLang="en-US"/>
           </a:p>
@@ -2036,7 +2041,7 @@
           <a:p>
             <a:fld id="{8D04EC8B-8CA5-47F6-96D9-DD7E5DA61D42}" type="datetimeFigureOut">
               <a:rPr kumimoji="1" lang="ja-JP" altLang="en-US" smtClean="0"/>
-              <a:t>2025/5/11</a:t>
+              <a:t>2025/5/25</a:t>
             </a:fld>
             <a:endParaRPr kumimoji="1" lang="ja-JP" altLang="en-US"/>
           </a:p>
@@ -2177,7 +2182,7 @@
           <a:p>
             <a:fld id="{8D04EC8B-8CA5-47F6-96D9-DD7E5DA61D42}" type="datetimeFigureOut">
               <a:rPr kumimoji="1" lang="ja-JP" altLang="en-US" smtClean="0"/>
-              <a:t>2025/5/11</a:t>
+              <a:t>2025/5/25</a:t>
             </a:fld>
             <a:endParaRPr kumimoji="1" lang="ja-JP" altLang="en-US"/>
           </a:p>
@@ -2290,7 +2295,7 @@
           <a:p>
             <a:fld id="{8D04EC8B-8CA5-47F6-96D9-DD7E5DA61D42}" type="datetimeFigureOut">
               <a:rPr kumimoji="1" lang="ja-JP" altLang="en-US" smtClean="0"/>
-              <a:t>2025/5/11</a:t>
+              <a:t>2025/5/25</a:t>
             </a:fld>
             <a:endParaRPr kumimoji="1" lang="ja-JP" altLang="en-US"/>
           </a:p>
@@ -2633,7 +2638,7 @@
           <a:p>
             <a:fld id="{8D04EC8B-8CA5-47F6-96D9-DD7E5DA61D42}" type="datetimeFigureOut">
               <a:rPr kumimoji="1" lang="ja-JP" altLang="en-US" smtClean="0"/>
-              <a:t>2025/5/11</a:t>
+              <a:t>2025/5/25</a:t>
             </a:fld>
             <a:endParaRPr kumimoji="1" lang="ja-JP" altLang="en-US"/>
           </a:p>
@@ -2921,7 +2926,7 @@
           <a:p>
             <a:fld id="{8D04EC8B-8CA5-47F6-96D9-DD7E5DA61D42}" type="datetimeFigureOut">
               <a:rPr kumimoji="1" lang="ja-JP" altLang="en-US" smtClean="0"/>
-              <a:t>2025/5/11</a:t>
+              <a:t>2025/5/25</a:t>
             </a:fld>
             <a:endParaRPr kumimoji="1" lang="ja-JP" altLang="en-US"/>
           </a:p>
@@ -3194,7 +3199,7 @@
           <a:p>
             <a:fld id="{8D04EC8B-8CA5-47F6-96D9-DD7E5DA61D42}" type="datetimeFigureOut">
               <a:rPr kumimoji="1" lang="ja-JP" altLang="en-US" smtClean="0"/>
-              <a:t>2025/5/11</a:t>
+              <a:t>2025/5/25</a:t>
             </a:fld>
             <a:endParaRPr kumimoji="1" lang="ja-JP" altLang="en-US"/>
           </a:p>
@@ -4783,6 +4788,35 @@
           </a:p>
         </p:txBody>
       </p:sp>
+      <p:pic>
+        <p:nvPicPr>
+          <p:cNvPr id="3" name="図 2">
+            <a:extLst>
+              <a:ext uri="{FF2B5EF4-FFF2-40B4-BE49-F238E27FC236}">
+                <a16:creationId xmlns:a16="http://schemas.microsoft.com/office/drawing/2014/main" id="{CDECD500-14A5-537E-45C8-06C65A58444B}"/>
+              </a:ext>
+            </a:extLst>
+          </p:cNvPr>
+          <p:cNvPicPr>
+            <a:picLocks noChangeAspect="1"/>
+          </p:cNvPicPr>
+          <p:nvPr/>
+        </p:nvPicPr>
+        <p:blipFill>
+          <a:blip r:embed="rId3"/>
+          <a:srcRect t="30222" b="32592"/>
+          <a:stretch/>
+        </p:blipFill>
+        <p:spPr>
+          <a:xfrm>
+            <a:off x="2667000" y="2072640"/>
+            <a:ext cx="6858000" cy="2550201"/>
+          </a:xfrm>
+          <a:prstGeom prst="rect">
+            <a:avLst/>
+          </a:prstGeom>
+        </p:spPr>
+      </p:pic>
     </p:spTree>
     <p:extLst>
       <p:ext uri="{BB962C8B-B14F-4D97-AF65-F5344CB8AC3E}">
